--- a/Slides/src/2015/Lecture06-Testings-and-quality.pptx
+++ b/Slides/src/2015/Lecture06-Testings-and-quality.pptx
@@ -7464,7 +7464,11 @@
           <a:p>
             <a:r>
               <a:rPr lang="en-US" dirty="0" smtClean="0"/>
-              <a:t>Testing tutorial</a:t>
+              <a:t>Testing </a:t>
+            </a:r>
+            <a:r>
+              <a:rPr lang="en-US" dirty="0" smtClean="0"/>
+              <a:t>and Agile</a:t>
             </a:r>
             <a:endParaRPr lang="en-US" dirty="0"/>
           </a:p>
@@ -7487,8 +7491,13 @@
           <a:p>
             <a:r>
               <a:rPr lang="en-US" dirty="0" smtClean="0"/>
-              <a:t>Agile Development Processes 2014</a:t>
-            </a:r>
+              <a:t>Agile Development Processes </a:t>
+            </a:r>
+            <a:r>
+              <a:rPr lang="en-US" dirty="0" smtClean="0"/>
+              <a:t>2015</a:t>
+            </a:r>
+            <a:endParaRPr lang="en-US" dirty="0" smtClean="0"/>
           </a:p>
           <a:p>
             <a:r>
@@ -13404,11 +13413,7 @@
           <a:p>
             <a:r>
               <a:rPr lang="de-DE" i="1" dirty="0" err="1" smtClean="0"/>
-              <a:t>M</a:t>
-            </a:r>
-            <a:r>
-              <a:rPr lang="de-DE" i="1" dirty="0" err="1" smtClean="0"/>
-              <a:t>agical</a:t>
+              <a:t>Magical</a:t>
             </a:r>
             <a:r>
               <a:rPr lang="de-DE" i="1" dirty="0" smtClean="0"/>
@@ -13813,11 +13818,7 @@
             </a:r>
             <a:r>
               <a:rPr lang="de-DE" dirty="0" smtClean="0"/>
-              <a:t>)</a:t>
-            </a:r>
-            <a:r>
-              <a:rPr lang="de-DE" dirty="0" smtClean="0"/>
-              <a:t>. The </a:t>
+              <a:t>). The </a:t>
             </a:r>
             <a:r>
               <a:rPr lang="de-DE" dirty="0" err="1" smtClean="0"/>
